--- a/자바프로젝트결과.pptx
+++ b/자바프로젝트결과.pptx
@@ -4,6 +4,9 @@
   <p:sldMasterIdLst>
     <p:sldMasterId id="2147483648" r:id="rId1"/>
   </p:sldMasterIdLst>
+  <p:notesMasterIdLst>
+    <p:notesMasterId r:id="rId12"/>
+  </p:notesMasterIdLst>
   <p:sldIdLst>
     <p:sldId id="256" r:id="rId2"/>
     <p:sldId id="257" r:id="rId3"/>
@@ -14,6 +17,7 @@
     <p:sldId id="265" r:id="rId8"/>
     <p:sldId id="266" r:id="rId9"/>
     <p:sldId id="267" r:id="rId10"/>
+    <p:sldId id="268" r:id="rId11"/>
   </p:sldIdLst>
   <p:sldSz cx="18288000" cy="10287000"/>
   <p:notesSz cx="10287000" cy="18288000"/>
@@ -174,6 +178,355 @@
     </pc:docChg>
   </pc:docChgLst>
 </pc:chgInfo>
+</file>
+
+<file path=ppt/notesMasters/notesMaster1.xml><?xml version="1.0" encoding="utf-8"?>
+<p:notesMaster xmlns:a="http://schemas.openxmlformats.org/drawingml/2006/main" xmlns:r="http://schemas.openxmlformats.org/officeDocument/2006/relationships" xmlns:p="http://schemas.openxmlformats.org/presentationml/2006/main">
+  <p:cSld>
+    <p:bg>
+      <p:bgRef idx="1001">
+        <a:schemeClr val="bg1"/>
+      </p:bgRef>
+    </p:bg>
+    <p:spTree>
+      <p:nvGrpSpPr>
+        <p:cNvPr id="1" name=""/>
+        <p:cNvGrpSpPr/>
+        <p:nvPr/>
+      </p:nvGrpSpPr>
+      <p:grpSpPr>
+        <a:xfrm>
+          <a:off x="0" y="0"/>
+          <a:ext cx="0" cy="0"/>
+          <a:chOff x="0" y="0"/>
+          <a:chExt cx="0" cy="0"/>
+        </a:xfrm>
+      </p:grpSpPr>
+      <p:sp>
+        <p:nvSpPr>
+          <p:cNvPr id="2" name="머리글 개체 틀 1"/>
+          <p:cNvSpPr>
+            <a:spLocks noGrp="1"/>
+          </p:cNvSpPr>
+          <p:nvPr>
+            <p:ph type="hdr" sz="quarter"/>
+          </p:nvPr>
+        </p:nvSpPr>
+        <p:spPr>
+          <a:xfrm>
+            <a:off x="0" y="0"/>
+            <a:ext cx="4457700" cy="917575"/>
+          </a:xfrm>
+          <a:prstGeom prst="rect">
+            <a:avLst/>
+          </a:prstGeom>
+        </p:spPr>
+        <p:txBody>
+          <a:bodyPr vert="horz" lIns="91440" tIns="45720" rIns="91440" bIns="45720" rtlCol="0"/>
+          <a:lstStyle>
+            <a:lvl1pPr algn="l">
+              <a:defRPr sz="1200"/>
+            </a:lvl1pPr>
+          </a:lstStyle>
+          <a:p>
+            <a:endParaRPr lang="ko-KR" altLang="en-US"/>
+          </a:p>
+        </p:txBody>
+      </p:sp>
+      <p:sp>
+        <p:nvSpPr>
+          <p:cNvPr id="3" name="날짜 개체 틀 2"/>
+          <p:cNvSpPr>
+            <a:spLocks noGrp="1"/>
+          </p:cNvSpPr>
+          <p:nvPr>
+            <p:ph type="dt" idx="1"/>
+          </p:nvPr>
+        </p:nvSpPr>
+        <p:spPr>
+          <a:xfrm>
+            <a:off x="5827713" y="0"/>
+            <a:ext cx="4457700" cy="917575"/>
+          </a:xfrm>
+          <a:prstGeom prst="rect">
+            <a:avLst/>
+          </a:prstGeom>
+        </p:spPr>
+        <p:txBody>
+          <a:bodyPr vert="horz" lIns="91440" tIns="45720" rIns="91440" bIns="45720" rtlCol="0"/>
+          <a:lstStyle>
+            <a:lvl1pPr algn="r">
+              <a:defRPr sz="1200"/>
+            </a:lvl1pPr>
+          </a:lstStyle>
+          <a:p>
+            <a:fld id="{FDFE2730-851C-4159-A46C-96D09B9BCC33}" type="datetimeFigureOut">
+              <a:rPr lang="ko-KR" altLang="en-US" smtClean="0"/>
+              <a:t>2021-11-01</a:t>
+            </a:fld>
+            <a:endParaRPr lang="ko-KR" altLang="en-US"/>
+          </a:p>
+        </p:txBody>
+      </p:sp>
+      <p:sp>
+        <p:nvSpPr>
+          <p:cNvPr id="4" name="슬라이드 이미지 개체 틀 3"/>
+          <p:cNvSpPr>
+            <a:spLocks noGrp="1" noRot="1" noChangeAspect="1"/>
+          </p:cNvSpPr>
+          <p:nvPr>
+            <p:ph type="sldImg" idx="2"/>
+          </p:nvPr>
+        </p:nvSpPr>
+        <p:spPr>
+          <a:xfrm>
+            <a:off x="-342900" y="2286000"/>
+            <a:ext cx="10972800" cy="6172200"/>
+          </a:xfrm>
+          <a:prstGeom prst="rect">
+            <a:avLst/>
+          </a:prstGeom>
+          <a:noFill/>
+          <a:ln w="12700">
+            <a:solidFill>
+              <a:prstClr val="black"/>
+            </a:solidFill>
+          </a:ln>
+        </p:spPr>
+        <p:txBody>
+          <a:bodyPr vert="horz" lIns="91440" tIns="45720" rIns="91440" bIns="45720" rtlCol="0" anchor="ctr"/>
+          <a:lstStyle/>
+          <a:p>
+            <a:endParaRPr lang="ko-KR" altLang="en-US"/>
+          </a:p>
+        </p:txBody>
+      </p:sp>
+      <p:sp>
+        <p:nvSpPr>
+          <p:cNvPr id="5" name="슬라이드 노트 개체 틀 4"/>
+          <p:cNvSpPr>
+            <a:spLocks noGrp="1"/>
+          </p:cNvSpPr>
+          <p:nvPr>
+            <p:ph type="body" sz="quarter" idx="3"/>
+          </p:nvPr>
+        </p:nvSpPr>
+        <p:spPr>
+          <a:xfrm>
+            <a:off x="1028700" y="8801100"/>
+            <a:ext cx="8229600" cy="7200900"/>
+          </a:xfrm>
+          <a:prstGeom prst="rect">
+            <a:avLst/>
+          </a:prstGeom>
+        </p:spPr>
+        <p:txBody>
+          <a:bodyPr vert="horz" lIns="91440" tIns="45720" rIns="91440" bIns="45720" rtlCol="0"/>
+          <a:lstStyle/>
+          <a:p>
+            <a:pPr lvl="0"/>
+            <a:r>
+              <a:rPr lang="ko-KR" altLang="en-US"/>
+              <a:t>마스터 텍스트 스타일을 편집하려면 클릭</a:t>
+            </a:r>
+          </a:p>
+          <a:p>
+            <a:pPr lvl="1"/>
+            <a:r>
+              <a:rPr lang="ko-KR" altLang="en-US"/>
+              <a:t>두 번째 수준</a:t>
+            </a:r>
+          </a:p>
+          <a:p>
+            <a:pPr lvl="2"/>
+            <a:r>
+              <a:rPr lang="ko-KR" altLang="en-US"/>
+              <a:t>세 번째 수준</a:t>
+            </a:r>
+          </a:p>
+          <a:p>
+            <a:pPr lvl="3"/>
+            <a:r>
+              <a:rPr lang="ko-KR" altLang="en-US"/>
+              <a:t>네 번째 수준</a:t>
+            </a:r>
+          </a:p>
+          <a:p>
+            <a:pPr lvl="4"/>
+            <a:r>
+              <a:rPr lang="ko-KR" altLang="en-US"/>
+              <a:t>다섯 번째 수준</a:t>
+            </a:r>
+          </a:p>
+        </p:txBody>
+      </p:sp>
+      <p:sp>
+        <p:nvSpPr>
+          <p:cNvPr id="6" name="바닥글 개체 틀 5"/>
+          <p:cNvSpPr>
+            <a:spLocks noGrp="1"/>
+          </p:cNvSpPr>
+          <p:nvPr>
+            <p:ph type="ftr" sz="quarter" idx="4"/>
+          </p:nvPr>
+        </p:nvSpPr>
+        <p:spPr>
+          <a:xfrm>
+            <a:off x="0" y="17372013"/>
+            <a:ext cx="4457700" cy="915987"/>
+          </a:xfrm>
+          <a:prstGeom prst="rect">
+            <a:avLst/>
+          </a:prstGeom>
+        </p:spPr>
+        <p:txBody>
+          <a:bodyPr vert="horz" lIns="91440" tIns="45720" rIns="91440" bIns="45720" rtlCol="0" anchor="b"/>
+          <a:lstStyle>
+            <a:lvl1pPr algn="l">
+              <a:defRPr sz="1200"/>
+            </a:lvl1pPr>
+          </a:lstStyle>
+          <a:p>
+            <a:endParaRPr lang="ko-KR" altLang="en-US"/>
+          </a:p>
+        </p:txBody>
+      </p:sp>
+      <p:sp>
+        <p:nvSpPr>
+          <p:cNvPr id="7" name="슬라이드 번호 개체 틀 6"/>
+          <p:cNvSpPr>
+            <a:spLocks noGrp="1"/>
+          </p:cNvSpPr>
+          <p:nvPr>
+            <p:ph type="sldNum" sz="quarter" idx="5"/>
+          </p:nvPr>
+        </p:nvSpPr>
+        <p:spPr>
+          <a:xfrm>
+            <a:off x="5827713" y="17372013"/>
+            <a:ext cx="4457700" cy="915987"/>
+          </a:xfrm>
+          <a:prstGeom prst="rect">
+            <a:avLst/>
+          </a:prstGeom>
+        </p:spPr>
+        <p:txBody>
+          <a:bodyPr vert="horz" lIns="91440" tIns="45720" rIns="91440" bIns="45720" rtlCol="0" anchor="b"/>
+          <a:lstStyle>
+            <a:lvl1pPr algn="r">
+              <a:defRPr sz="1200"/>
+            </a:lvl1pPr>
+          </a:lstStyle>
+          <a:p>
+            <a:fld id="{74F730A2-D8A7-42A6-B136-BD21E693145C}" type="slidenum">
+              <a:rPr lang="ko-KR" altLang="en-US" smtClean="0"/>
+              <a:t>‹#›</a:t>
+            </a:fld>
+            <a:endParaRPr lang="ko-KR" altLang="en-US"/>
+          </a:p>
+        </p:txBody>
+      </p:sp>
+    </p:spTree>
+    <p:extLst>
+      <p:ext uri="{BB962C8B-B14F-4D97-AF65-F5344CB8AC3E}">
+        <p14:creationId xmlns:p14="http://schemas.microsoft.com/office/powerpoint/2010/main" val="2032868492"/>
+      </p:ext>
+    </p:extLst>
+  </p:cSld>
+  <p:clrMap bg1="lt1" tx1="dk1" bg2="lt2" tx2="dk2" accent1="accent1" accent2="accent2" accent3="accent3" accent4="accent4" accent5="accent5" accent6="accent6" hlink="hlink" folHlink="folHlink"/>
+  <p:notesStyle>
+    <a:lvl1pPr marL="0" algn="l" defTabSz="914400" rtl="0" eaLnBrk="1" latinLnBrk="1" hangingPunct="1">
+      <a:defRPr sz="1200" kern="1200">
+        <a:solidFill>
+          <a:schemeClr val="tx1"/>
+        </a:solidFill>
+        <a:latin typeface="+mn-lt"/>
+        <a:ea typeface="+mn-ea"/>
+        <a:cs typeface="+mn-cs"/>
+      </a:defRPr>
+    </a:lvl1pPr>
+    <a:lvl2pPr marL="457200" algn="l" defTabSz="914400" rtl="0" eaLnBrk="1" latinLnBrk="1" hangingPunct="1">
+      <a:defRPr sz="1200" kern="1200">
+        <a:solidFill>
+          <a:schemeClr val="tx1"/>
+        </a:solidFill>
+        <a:latin typeface="+mn-lt"/>
+        <a:ea typeface="+mn-ea"/>
+        <a:cs typeface="+mn-cs"/>
+      </a:defRPr>
+    </a:lvl2pPr>
+    <a:lvl3pPr marL="914400" algn="l" defTabSz="914400" rtl="0" eaLnBrk="1" latinLnBrk="1" hangingPunct="1">
+      <a:defRPr sz="1200" kern="1200">
+        <a:solidFill>
+          <a:schemeClr val="tx1"/>
+        </a:solidFill>
+        <a:latin typeface="+mn-lt"/>
+        <a:ea typeface="+mn-ea"/>
+        <a:cs typeface="+mn-cs"/>
+      </a:defRPr>
+    </a:lvl3pPr>
+    <a:lvl4pPr marL="1371600" algn="l" defTabSz="914400" rtl="0" eaLnBrk="1" latinLnBrk="1" hangingPunct="1">
+      <a:defRPr sz="1200" kern="1200">
+        <a:solidFill>
+          <a:schemeClr val="tx1"/>
+        </a:solidFill>
+        <a:latin typeface="+mn-lt"/>
+        <a:ea typeface="+mn-ea"/>
+        <a:cs typeface="+mn-cs"/>
+      </a:defRPr>
+    </a:lvl4pPr>
+    <a:lvl5pPr marL="1828800" algn="l" defTabSz="914400" rtl="0" eaLnBrk="1" latinLnBrk="1" hangingPunct="1">
+      <a:defRPr sz="1200" kern="1200">
+        <a:solidFill>
+          <a:schemeClr val="tx1"/>
+        </a:solidFill>
+        <a:latin typeface="+mn-lt"/>
+        <a:ea typeface="+mn-ea"/>
+        <a:cs typeface="+mn-cs"/>
+      </a:defRPr>
+    </a:lvl5pPr>
+    <a:lvl6pPr marL="2286000" algn="l" defTabSz="914400" rtl="0" eaLnBrk="1" latinLnBrk="1" hangingPunct="1">
+      <a:defRPr sz="1200" kern="1200">
+        <a:solidFill>
+          <a:schemeClr val="tx1"/>
+        </a:solidFill>
+        <a:latin typeface="+mn-lt"/>
+        <a:ea typeface="+mn-ea"/>
+        <a:cs typeface="+mn-cs"/>
+      </a:defRPr>
+    </a:lvl6pPr>
+    <a:lvl7pPr marL="2743200" algn="l" defTabSz="914400" rtl="0" eaLnBrk="1" latinLnBrk="1" hangingPunct="1">
+      <a:defRPr sz="1200" kern="1200">
+        <a:solidFill>
+          <a:schemeClr val="tx1"/>
+        </a:solidFill>
+        <a:latin typeface="+mn-lt"/>
+        <a:ea typeface="+mn-ea"/>
+        <a:cs typeface="+mn-cs"/>
+      </a:defRPr>
+    </a:lvl7pPr>
+    <a:lvl8pPr marL="3200400" algn="l" defTabSz="914400" rtl="0" eaLnBrk="1" latinLnBrk="1" hangingPunct="1">
+      <a:defRPr sz="1200" kern="1200">
+        <a:solidFill>
+          <a:schemeClr val="tx1"/>
+        </a:solidFill>
+        <a:latin typeface="+mn-lt"/>
+        <a:ea typeface="+mn-ea"/>
+        <a:cs typeface="+mn-cs"/>
+      </a:defRPr>
+    </a:lvl8pPr>
+    <a:lvl9pPr marL="3657600" algn="l" defTabSz="914400" rtl="0" eaLnBrk="1" latinLnBrk="1" hangingPunct="1">
+      <a:defRPr sz="1200" kern="1200">
+        <a:solidFill>
+          <a:schemeClr val="tx1"/>
+        </a:solidFill>
+        <a:latin typeface="+mn-lt"/>
+        <a:ea typeface="+mn-ea"/>
+        <a:cs typeface="+mn-cs"/>
+      </a:defRPr>
+    </a:lvl9pPr>
+  </p:notesStyle>
+</p:notesMaster>
 </file>
 
 <file path=ppt/slideLayouts/slideLayout1.xml><?xml version="1.0" encoding="utf-8"?>
@@ -3421,6 +3774,542 @@
 </p:sld>
 </file>
 
+<file path=ppt/slides/slide10.xml><?xml version="1.0" encoding="utf-8"?>
+<p:sld xmlns:a="http://schemas.openxmlformats.org/drawingml/2006/main" xmlns:r="http://schemas.openxmlformats.org/officeDocument/2006/relationships" xmlns:p="http://schemas.openxmlformats.org/presentationml/2006/main">
+  <p:cSld>
+    <p:spTree>
+      <p:nvGrpSpPr>
+        <p:cNvPr id="1" name=""/>
+        <p:cNvGrpSpPr/>
+        <p:nvPr/>
+      </p:nvGrpSpPr>
+      <p:grpSpPr>
+        <a:xfrm>
+          <a:off x="0" y="0"/>
+          <a:ext cx="0" cy="0"/>
+          <a:chOff x="0" y="0"/>
+          <a:chExt cx="0" cy="0"/>
+        </a:xfrm>
+      </p:grpSpPr>
+      <p:grpSp>
+        <p:nvGrpSpPr>
+          <p:cNvPr id="4" name="그룹 1001">
+            <a:extLst>
+              <a:ext uri="{FF2B5EF4-FFF2-40B4-BE49-F238E27FC236}">
+                <a16:creationId xmlns:a16="http://schemas.microsoft.com/office/drawing/2014/main" id="{B301E101-C72B-4E4E-ABCD-485B320F3D0A}"/>
+              </a:ext>
+            </a:extLst>
+          </p:cNvPr>
+          <p:cNvGrpSpPr/>
+          <p:nvPr/>
+        </p:nvGrpSpPr>
+        <p:grpSpPr>
+          <a:xfrm>
+            <a:off x="3922028" y="0"/>
+            <a:ext cx="14363687" cy="10285714"/>
+            <a:chOff x="3922028" y="0"/>
+            <a:chExt cx="14363687" cy="10285714"/>
+          </a:xfrm>
+        </p:grpSpPr>
+        <p:pic>
+          <p:nvPicPr>
+            <p:cNvPr id="5" name="Object 2">
+              <a:extLst>
+                <a:ext uri="{FF2B5EF4-FFF2-40B4-BE49-F238E27FC236}">
+                  <a16:creationId xmlns:a16="http://schemas.microsoft.com/office/drawing/2014/main" id="{36466619-E2B2-4ADA-AE46-443B8631CA93}"/>
+                </a:ext>
+              </a:extLst>
+            </p:cNvPr>
+            <p:cNvPicPr>
+              <a:picLocks noChangeAspect="1"/>
+            </p:cNvPicPr>
+            <p:nvPr/>
+          </p:nvPicPr>
+          <p:blipFill>
+            <a:blip r:embed="rId2" cstate="print"/>
+            <a:stretch>
+              <a:fillRect/>
+            </a:stretch>
+          </p:blipFill>
+          <p:spPr>
+            <a:xfrm>
+              <a:off x="3922028" y="0"/>
+              <a:ext cx="14363687" cy="10285714"/>
+            </a:xfrm>
+            <a:prstGeom prst="rect">
+              <a:avLst/>
+            </a:prstGeom>
+          </p:spPr>
+        </p:pic>
+      </p:grpSp>
+      <p:sp>
+        <p:nvSpPr>
+          <p:cNvPr id="6" name="TextBox 5">
+            <a:extLst>
+              <a:ext uri="{FF2B5EF4-FFF2-40B4-BE49-F238E27FC236}">
+                <a16:creationId xmlns:a16="http://schemas.microsoft.com/office/drawing/2014/main" id="{2AE04316-9679-431A-8E45-4E1DEC770496}"/>
+              </a:ext>
+            </a:extLst>
+          </p:cNvPr>
+          <p:cNvSpPr txBox="1"/>
+          <p:nvPr/>
+        </p:nvSpPr>
+        <p:spPr>
+          <a:xfrm>
+            <a:off x="3922028" y="8424952"/>
+            <a:ext cx="10708372" cy="1862048"/>
+          </a:xfrm>
+          <a:prstGeom prst="rect">
+            <a:avLst/>
+          </a:prstGeom>
+          <a:noFill/>
+        </p:spPr>
+        <p:txBody>
+          <a:bodyPr wrap="square" rtlCol="0">
+            <a:spAutoFit/>
+          </a:bodyPr>
+          <a:lstStyle/>
+          <a:p>
+            <a:pPr algn="l"/>
+            <a:r>
+              <a:rPr lang="en-US" altLang="ko-KR" sz="11500" b="1" dirty="0">
+                <a:solidFill>
+                  <a:schemeClr val="bg1"/>
+                </a:solidFill>
+                <a:latin typeface="맑은 고딕" panose="020B0503020000020004" pitchFamily="50" charset="-127"/>
+                <a:ea typeface="맑은 고딕" panose="020B0503020000020004" pitchFamily="50" charset="-127"/>
+              </a:rPr>
+              <a:t>End</a:t>
+            </a:r>
+            <a:endParaRPr lang="ko-KR" altLang="en-US" sz="11500" b="1" dirty="0">
+              <a:solidFill>
+                <a:schemeClr val="bg1"/>
+              </a:solidFill>
+              <a:latin typeface="맑은 고딕" panose="020B0503020000020004" pitchFamily="50" charset="-127"/>
+              <a:ea typeface="맑은 고딕" panose="020B0503020000020004" pitchFamily="50" charset="-127"/>
+            </a:endParaRPr>
+          </a:p>
+        </p:txBody>
+      </p:sp>
+      <p:grpSp>
+        <p:nvGrpSpPr>
+          <p:cNvPr id="7" name="그룹 1002">
+            <a:extLst>
+              <a:ext uri="{FF2B5EF4-FFF2-40B4-BE49-F238E27FC236}">
+                <a16:creationId xmlns:a16="http://schemas.microsoft.com/office/drawing/2014/main" id="{98A806DD-7C8B-4E86-8158-D1E9E227D026}"/>
+              </a:ext>
+            </a:extLst>
+          </p:cNvPr>
+          <p:cNvGrpSpPr/>
+          <p:nvPr/>
+        </p:nvGrpSpPr>
+        <p:grpSpPr>
+          <a:xfrm>
+            <a:off x="7391400" y="8928945"/>
+            <a:ext cx="327736" cy="854062"/>
+            <a:chOff x="17273370" y="8764089"/>
+            <a:chExt cx="327736" cy="854062"/>
+          </a:xfrm>
+        </p:grpSpPr>
+        <p:grpSp>
+          <p:nvGrpSpPr>
+            <p:cNvPr id="8" name="그룹 1003">
+              <a:extLst>
+                <a:ext uri="{FF2B5EF4-FFF2-40B4-BE49-F238E27FC236}">
+                  <a16:creationId xmlns:a16="http://schemas.microsoft.com/office/drawing/2014/main" id="{2CA75D57-0E3D-4DD5-B8CE-4C9C5691C173}"/>
+                </a:ext>
+              </a:extLst>
+            </p:cNvPr>
+            <p:cNvGrpSpPr/>
+            <p:nvPr/>
+          </p:nvGrpSpPr>
+          <p:grpSpPr>
+            <a:xfrm>
+              <a:off x="17273370" y="8764089"/>
+              <a:ext cx="327735" cy="327735"/>
+              <a:chOff x="17273370" y="8764089"/>
+              <a:chExt cx="327735" cy="327735"/>
+            </a:xfrm>
+          </p:grpSpPr>
+          <p:pic>
+            <p:nvPicPr>
+              <p:cNvPr id="11" name="Object 7">
+                <a:extLst>
+                  <a:ext uri="{FF2B5EF4-FFF2-40B4-BE49-F238E27FC236}">
+                    <a16:creationId xmlns:a16="http://schemas.microsoft.com/office/drawing/2014/main" id="{BB21FBED-A44E-4405-812C-D27221F8956F}"/>
+                  </a:ext>
+                </a:extLst>
+              </p:cNvPr>
+              <p:cNvPicPr>
+                <a:picLocks noChangeAspect="1"/>
+              </p:cNvPicPr>
+              <p:nvPr/>
+            </p:nvPicPr>
+            <p:blipFill>
+              <a:blip r:embed="rId3" cstate="print"/>
+              <a:stretch>
+                <a:fillRect/>
+              </a:stretch>
+            </p:blipFill>
+            <p:spPr>
+              <a:xfrm>
+                <a:off x="17273370" y="8764089"/>
+                <a:ext cx="327735" cy="327735"/>
+              </a:xfrm>
+              <a:prstGeom prst="rect">
+                <a:avLst/>
+              </a:prstGeom>
+            </p:spPr>
+          </p:pic>
+        </p:grpSp>
+        <p:grpSp>
+          <p:nvGrpSpPr>
+            <p:cNvPr id="9" name="그룹 1004">
+              <a:extLst>
+                <a:ext uri="{FF2B5EF4-FFF2-40B4-BE49-F238E27FC236}">
+                  <a16:creationId xmlns:a16="http://schemas.microsoft.com/office/drawing/2014/main" id="{2AC6D26E-95D2-4BFE-A043-EC6D8B94094B}"/>
+                </a:ext>
+              </a:extLst>
+            </p:cNvPr>
+            <p:cNvGrpSpPr/>
+            <p:nvPr/>
+          </p:nvGrpSpPr>
+          <p:grpSpPr>
+            <a:xfrm>
+              <a:off x="17273371" y="9290416"/>
+              <a:ext cx="327735" cy="327735"/>
+              <a:chOff x="17273371" y="9290416"/>
+              <a:chExt cx="327735" cy="327735"/>
+            </a:xfrm>
+          </p:grpSpPr>
+          <p:pic>
+            <p:nvPicPr>
+              <p:cNvPr id="10" name="Object 10">
+                <a:extLst>
+                  <a:ext uri="{FF2B5EF4-FFF2-40B4-BE49-F238E27FC236}">
+                    <a16:creationId xmlns:a16="http://schemas.microsoft.com/office/drawing/2014/main" id="{6DA709DA-1E98-4A44-B955-41A61C06D906}"/>
+                  </a:ext>
+                </a:extLst>
+              </p:cNvPr>
+              <p:cNvPicPr>
+                <a:picLocks noChangeAspect="1"/>
+              </p:cNvPicPr>
+              <p:nvPr/>
+            </p:nvPicPr>
+            <p:blipFill>
+              <a:blip r:embed="rId3" cstate="print"/>
+              <a:stretch>
+                <a:fillRect/>
+              </a:stretch>
+            </p:blipFill>
+            <p:spPr>
+              <a:xfrm>
+                <a:off x="17273371" y="9290416"/>
+                <a:ext cx="327735" cy="327735"/>
+              </a:xfrm>
+              <a:prstGeom prst="rect">
+                <a:avLst/>
+              </a:prstGeom>
+            </p:spPr>
+          </p:pic>
+        </p:grpSp>
+      </p:grpSp>
+      <p:sp>
+        <p:nvSpPr>
+          <p:cNvPr id="12" name="TextBox 11">
+            <a:extLst>
+              <a:ext uri="{FF2B5EF4-FFF2-40B4-BE49-F238E27FC236}">
+                <a16:creationId xmlns:a16="http://schemas.microsoft.com/office/drawing/2014/main" id="{232B201D-9CB2-4058-AB4A-CC1F4BA1D1D9}"/>
+              </a:ext>
+            </a:extLst>
+          </p:cNvPr>
+          <p:cNvSpPr txBox="1"/>
+          <p:nvPr/>
+        </p:nvSpPr>
+        <p:spPr>
+          <a:xfrm>
+            <a:off x="4191000" y="647700"/>
+            <a:ext cx="7086600" cy="523220"/>
+          </a:xfrm>
+          <a:prstGeom prst="rect">
+            <a:avLst/>
+          </a:prstGeom>
+          <a:noFill/>
+        </p:spPr>
+        <p:txBody>
+          <a:bodyPr wrap="square" rtlCol="0">
+            <a:spAutoFit/>
+          </a:bodyPr>
+          <a:lstStyle/>
+          <a:p>
+            <a:pPr algn="l"/>
+            <a:r>
+              <a:rPr lang="ko-KR" altLang="en-US" sz="2800" b="1" dirty="0" err="1">
+                <a:solidFill>
+                  <a:schemeClr val="bg1"/>
+                </a:solidFill>
+                <a:latin typeface="맑은 고딕" panose="020B0503020000020004" pitchFamily="50" charset="-127"/>
+                <a:ea typeface="맑은 고딕" panose="020B0503020000020004" pitchFamily="50" charset="-127"/>
+              </a:rPr>
+              <a:t>느낀점</a:t>
+            </a:r>
+            <a:endParaRPr lang="en-US" altLang="ko-KR" sz="2800" b="1" dirty="0">
+              <a:solidFill>
+                <a:schemeClr val="bg1"/>
+              </a:solidFill>
+              <a:latin typeface="맑은 고딕" panose="020B0503020000020004" pitchFamily="50" charset="-127"/>
+              <a:ea typeface="맑은 고딕" panose="020B0503020000020004" pitchFamily="50" charset="-127"/>
+            </a:endParaRPr>
+          </a:p>
+        </p:txBody>
+      </p:sp>
+      <p:sp>
+        <p:nvSpPr>
+          <p:cNvPr id="13" name="TextBox 12">
+            <a:extLst>
+              <a:ext uri="{FF2B5EF4-FFF2-40B4-BE49-F238E27FC236}">
+                <a16:creationId xmlns:a16="http://schemas.microsoft.com/office/drawing/2014/main" id="{974B9D58-2493-4680-AFDD-EC6806F6E4E2}"/>
+              </a:ext>
+            </a:extLst>
+          </p:cNvPr>
+          <p:cNvSpPr txBox="1"/>
+          <p:nvPr/>
+        </p:nvSpPr>
+        <p:spPr>
+          <a:xfrm>
+            <a:off x="4187686" y="1485257"/>
+            <a:ext cx="8537714" cy="1754326"/>
+          </a:xfrm>
+          <a:prstGeom prst="rect">
+            <a:avLst/>
+          </a:prstGeom>
+          <a:noFill/>
+        </p:spPr>
+        <p:txBody>
+          <a:bodyPr wrap="square" rtlCol="0">
+            <a:spAutoFit/>
+          </a:bodyPr>
+          <a:lstStyle/>
+          <a:p>
+            <a:pPr algn="l"/>
+            <a:r>
+              <a:rPr lang="ko-KR" altLang="en-US" dirty="0">
+                <a:latin typeface="맑은 고딕" panose="020B0503020000020004" pitchFamily="50" charset="-127"/>
+                <a:ea typeface="맑은 고딕" panose="020B0503020000020004" pitchFamily="50" charset="-127"/>
+              </a:rPr>
+              <a:t>이번에 프로젝트 하면서 </a:t>
+            </a:r>
+            <a:r>
+              <a:rPr lang="ko-KR" altLang="en-US" dirty="0" err="1">
+                <a:latin typeface="맑은 고딕" panose="020B0503020000020004" pitchFamily="50" charset="-127"/>
+                <a:ea typeface="맑은 고딕" panose="020B0503020000020004" pitchFamily="50" charset="-127"/>
+              </a:rPr>
+              <a:t>느낀점은</a:t>
+            </a:r>
+            <a:r>
+              <a:rPr lang="ko-KR" altLang="en-US" dirty="0">
+                <a:latin typeface="맑은 고딕" panose="020B0503020000020004" pitchFamily="50" charset="-127"/>
+                <a:ea typeface="맑은 고딕" panose="020B0503020000020004" pitchFamily="50" charset="-127"/>
+              </a:rPr>
+              <a:t> 계획을 잘하고 만들기를 시작해야 헷갈리지 않고 꼬이지 않게 만들 수 있다</a:t>
+            </a:r>
+            <a:r>
+              <a:rPr lang="en-US" altLang="ko-KR" dirty="0">
+                <a:latin typeface="맑은 고딕" panose="020B0503020000020004" pitchFamily="50" charset="-127"/>
+                <a:ea typeface="맑은 고딕" panose="020B0503020000020004" pitchFamily="50" charset="-127"/>
+              </a:rPr>
+              <a:t>.</a:t>
+            </a:r>
+          </a:p>
+          <a:p>
+            <a:pPr algn="l"/>
+            <a:r>
+              <a:rPr lang="ko-KR" altLang="en-US" dirty="0">
+                <a:latin typeface="맑은 고딕" panose="020B0503020000020004" pitchFamily="50" charset="-127"/>
+                <a:ea typeface="맑은 고딕" panose="020B0503020000020004" pitchFamily="50" charset="-127"/>
+              </a:rPr>
+              <a:t>그리고 뭔가 더 추가하고 이것 저것 해보고 싶지만 생각해보면 너무 복잡해지고 될 것 같긴 한데 이렇게 만드는 건 아니니 뭔가 고민을 많이 했다</a:t>
+            </a:r>
+            <a:r>
+              <a:rPr lang="en-US" altLang="ko-KR" dirty="0">
+                <a:latin typeface="맑은 고딕" panose="020B0503020000020004" pitchFamily="50" charset="-127"/>
+                <a:ea typeface="맑은 고딕" panose="020B0503020000020004" pitchFamily="50" charset="-127"/>
+              </a:rPr>
+              <a:t>.</a:t>
+            </a:r>
+          </a:p>
+          <a:p>
+            <a:pPr algn="l"/>
+            <a:r>
+              <a:rPr lang="ko-KR" altLang="en-US" dirty="0">
+                <a:latin typeface="맑은 고딕" panose="020B0503020000020004" pitchFamily="50" charset="-127"/>
+                <a:ea typeface="맑은 고딕" panose="020B0503020000020004" pitchFamily="50" charset="-127"/>
+              </a:rPr>
+              <a:t>다음에 더 배우고 나면 여러 가지 기능들을 추가해서 더 완벽하게 만들고 싶다</a:t>
+            </a:r>
+            <a:r>
+              <a:rPr lang="en-US" altLang="ko-KR" dirty="0">
+                <a:latin typeface="맑은 고딕" panose="020B0503020000020004" pitchFamily="50" charset="-127"/>
+                <a:ea typeface="맑은 고딕" panose="020B0503020000020004" pitchFamily="50" charset="-127"/>
+              </a:rPr>
+              <a:t>.</a:t>
+            </a:r>
+          </a:p>
+          <a:p>
+            <a:pPr algn="l"/>
+            <a:r>
+              <a:rPr lang="ko-KR" altLang="en-US" dirty="0">
+                <a:latin typeface="맑은 고딕" panose="020B0503020000020004" pitchFamily="50" charset="-127"/>
+                <a:ea typeface="맑은 고딕" panose="020B0503020000020004" pitchFamily="50" charset="-127"/>
+              </a:rPr>
+              <a:t>그리고 상속은 사용을 못해봤고 인터페이스는 쓰긴 했지만 이게 맞는 건가 싶다</a:t>
+            </a:r>
+            <a:r>
+              <a:rPr lang="en-US" altLang="ko-KR" dirty="0">
+                <a:latin typeface="맑은 고딕" panose="020B0503020000020004" pitchFamily="50" charset="-127"/>
+                <a:ea typeface="맑은 고딕" panose="020B0503020000020004" pitchFamily="50" charset="-127"/>
+              </a:rPr>
+              <a:t>.</a:t>
+            </a:r>
+          </a:p>
+        </p:txBody>
+      </p:sp>
+      <p:grpSp>
+        <p:nvGrpSpPr>
+          <p:cNvPr id="14" name="그룹 1002">
+            <a:extLst>
+              <a:ext uri="{FF2B5EF4-FFF2-40B4-BE49-F238E27FC236}">
+                <a16:creationId xmlns:a16="http://schemas.microsoft.com/office/drawing/2014/main" id="{ACE5652B-9460-4822-BFCA-580FCDC9014D}"/>
+              </a:ext>
+            </a:extLst>
+          </p:cNvPr>
+          <p:cNvGrpSpPr/>
+          <p:nvPr/>
+        </p:nvGrpSpPr>
+        <p:grpSpPr>
+          <a:xfrm>
+            <a:off x="5562600" y="718167"/>
+            <a:ext cx="228600" cy="382286"/>
+            <a:chOff x="17273370" y="8764089"/>
+            <a:chExt cx="327736" cy="854062"/>
+          </a:xfrm>
+        </p:grpSpPr>
+        <p:grpSp>
+          <p:nvGrpSpPr>
+            <p:cNvPr id="15" name="그룹 1003">
+              <a:extLst>
+                <a:ext uri="{FF2B5EF4-FFF2-40B4-BE49-F238E27FC236}">
+                  <a16:creationId xmlns:a16="http://schemas.microsoft.com/office/drawing/2014/main" id="{16D42279-50C4-4EDF-95E7-4519839461E8}"/>
+                </a:ext>
+              </a:extLst>
+            </p:cNvPr>
+            <p:cNvGrpSpPr/>
+            <p:nvPr/>
+          </p:nvGrpSpPr>
+          <p:grpSpPr>
+            <a:xfrm>
+              <a:off x="17273370" y="8764089"/>
+              <a:ext cx="327735" cy="327735"/>
+              <a:chOff x="17273370" y="8764089"/>
+              <a:chExt cx="327735" cy="327735"/>
+            </a:xfrm>
+          </p:grpSpPr>
+          <p:pic>
+            <p:nvPicPr>
+              <p:cNvPr id="18" name="Object 7">
+                <a:extLst>
+                  <a:ext uri="{FF2B5EF4-FFF2-40B4-BE49-F238E27FC236}">
+                    <a16:creationId xmlns:a16="http://schemas.microsoft.com/office/drawing/2014/main" id="{5CEC82C0-DDAA-4690-BE40-F1DF6C5BBF7C}"/>
+                  </a:ext>
+                </a:extLst>
+              </p:cNvPr>
+              <p:cNvPicPr>
+                <a:picLocks noChangeAspect="1"/>
+              </p:cNvPicPr>
+              <p:nvPr/>
+            </p:nvPicPr>
+            <p:blipFill>
+              <a:blip r:embed="rId3" cstate="print"/>
+              <a:stretch>
+                <a:fillRect/>
+              </a:stretch>
+            </p:blipFill>
+            <p:spPr>
+              <a:xfrm>
+                <a:off x="17273370" y="8764089"/>
+                <a:ext cx="327735" cy="327735"/>
+              </a:xfrm>
+              <a:prstGeom prst="rect">
+                <a:avLst/>
+              </a:prstGeom>
+            </p:spPr>
+          </p:pic>
+        </p:grpSp>
+        <p:grpSp>
+          <p:nvGrpSpPr>
+            <p:cNvPr id="16" name="그룹 1004">
+              <a:extLst>
+                <a:ext uri="{FF2B5EF4-FFF2-40B4-BE49-F238E27FC236}">
+                  <a16:creationId xmlns:a16="http://schemas.microsoft.com/office/drawing/2014/main" id="{69FC7B92-A2B9-4E50-8A9E-E013DD7AB9BC}"/>
+                </a:ext>
+              </a:extLst>
+            </p:cNvPr>
+            <p:cNvGrpSpPr/>
+            <p:nvPr/>
+          </p:nvGrpSpPr>
+          <p:grpSpPr>
+            <a:xfrm>
+              <a:off x="17273371" y="9290416"/>
+              <a:ext cx="327735" cy="327735"/>
+              <a:chOff x="17273371" y="9290416"/>
+              <a:chExt cx="327735" cy="327735"/>
+            </a:xfrm>
+          </p:grpSpPr>
+          <p:pic>
+            <p:nvPicPr>
+              <p:cNvPr id="17" name="Object 10">
+                <a:extLst>
+                  <a:ext uri="{FF2B5EF4-FFF2-40B4-BE49-F238E27FC236}">
+                    <a16:creationId xmlns:a16="http://schemas.microsoft.com/office/drawing/2014/main" id="{763DE840-3270-4237-87A1-3FE3A73608B6}"/>
+                  </a:ext>
+                </a:extLst>
+              </p:cNvPr>
+              <p:cNvPicPr>
+                <a:picLocks noChangeAspect="1"/>
+              </p:cNvPicPr>
+              <p:nvPr/>
+            </p:nvPicPr>
+            <p:blipFill>
+              <a:blip r:embed="rId3" cstate="print"/>
+              <a:stretch>
+                <a:fillRect/>
+              </a:stretch>
+            </p:blipFill>
+            <p:spPr>
+              <a:xfrm>
+                <a:off x="17273371" y="9290416"/>
+                <a:ext cx="327735" cy="327735"/>
+              </a:xfrm>
+              <a:prstGeom prst="rect">
+                <a:avLst/>
+              </a:prstGeom>
+            </p:spPr>
+          </p:pic>
+        </p:grpSp>
+      </p:grpSp>
+    </p:spTree>
+    <p:extLst>
+      <p:ext uri="{BB962C8B-B14F-4D97-AF65-F5344CB8AC3E}">
+        <p14:creationId xmlns:p14="http://schemas.microsoft.com/office/powerpoint/2010/main" val="3800737126"/>
+      </p:ext>
+    </p:extLst>
+  </p:cSld>
+  <p:clrMapOvr>
+    <a:masterClrMapping/>
+  </p:clrMapOvr>
+</p:sld>
+</file>
+
 <file path=ppt/slides/slide2.xml><?xml version="1.0" encoding="utf-8"?>
 <p:sld xmlns:a="http://schemas.openxmlformats.org/drawingml/2006/main" xmlns:r="http://schemas.openxmlformats.org/officeDocument/2006/relationships" xmlns:p="http://schemas.openxmlformats.org/presentationml/2006/main">
   <p:cSld name="Slide 2">
@@ -4074,7 +4963,7 @@
         <p:spPr>
           <a:xfrm>
             <a:off x="8915399" y="7886700"/>
-            <a:ext cx="5181601" cy="523220"/>
+            <a:ext cx="9372601" cy="523220"/>
           </a:xfrm>
           <a:prstGeom prst="rect">
             <a:avLst/>
@@ -4088,26 +4977,16 @@
           <a:lstStyle/>
           <a:p>
             <a:r>
-              <a:rPr lang="ko-KR" altLang="en-US" sz="2800" b="1" dirty="0">
-                <a:latin typeface="맑은 고딕" panose="020B0503020000020004" pitchFamily="50" charset="-127"/>
-                <a:ea typeface="맑은 고딕" panose="020B0503020000020004" pitchFamily="50" charset="-127"/>
-              </a:rPr>
-              <a:t>해당프로젝트 </a:t>
-            </a:r>
-            <a:r>
               <a:rPr lang="en-US" altLang="ko-KR" sz="2800" b="1" dirty="0">
                 <a:latin typeface="맑은 고딕" panose="020B0503020000020004" pitchFamily="50" charset="-127"/>
                 <a:ea typeface="맑은 고딕" panose="020B0503020000020004" pitchFamily="50" charset="-127"/>
               </a:rPr>
-              <a:t>git </a:t>
-            </a:r>
-            <a:r>
-              <a:rPr lang="ko-KR" altLang="en-US" sz="2800" b="1" dirty="0">
-                <a:latin typeface="맑은 고딕" panose="020B0503020000020004" pitchFamily="50" charset="-127"/>
-                <a:ea typeface="맑은 고딕" panose="020B0503020000020004" pitchFamily="50" charset="-127"/>
-              </a:rPr>
-              <a:t>주소</a:t>
-            </a:r>
+              <a:t>https://github.com/seonjangwon/CarPark_Project.git</a:t>
+            </a:r>
+            <a:endParaRPr lang="ko-KR" altLang="en-US" sz="2800" b="1" dirty="0">
+              <a:latin typeface="맑은 고딕" panose="020B0503020000020004" pitchFamily="50" charset="-127"/>
+              <a:ea typeface="맑은 고딕" panose="020B0503020000020004" pitchFamily="50" charset="-127"/>
+            </a:endParaRPr>
           </a:p>
         </p:txBody>
       </p:sp>
@@ -4956,7 +5835,7 @@
             </a:endParaRPr>
           </a:p>
           <a:p>
-            <a:pPr marL="457200" indent="-457200" algn="ctr">
+            <a:pPr marL="457200" indent="-457200">
               <a:buAutoNum type="arabicPeriod"/>
             </a:pPr>
             <a:r>
@@ -4981,7 +5860,7 @@
             </a:r>
           </a:p>
           <a:p>
-            <a:pPr marL="457200" indent="-457200" algn="ctr">
+            <a:pPr marL="457200" indent="-457200">
               <a:buAutoNum type="arabicPeriod"/>
             </a:pPr>
             <a:r>
@@ -5006,7 +5885,7 @@
             </a:r>
           </a:p>
           <a:p>
-            <a:pPr marL="457200" indent="-457200" algn="ctr">
+            <a:pPr marL="457200" indent="-457200">
               <a:buAutoNum type="arabicPeriod"/>
             </a:pPr>
             <a:r>
@@ -5028,7 +5907,7 @@
             </a:endParaRPr>
           </a:p>
           <a:p>
-            <a:pPr marL="457200" indent="-457200" algn="ctr">
+            <a:pPr marL="457200" indent="-457200">
               <a:buAutoNum type="arabicPeriod"/>
             </a:pPr>
             <a:r>
@@ -5113,7 +5992,7 @@
             </a:r>
           </a:p>
           <a:p>
-            <a:pPr marL="457200" indent="-457200" algn="ctr">
+            <a:pPr marL="457200" indent="-457200">
               <a:buAutoNum type="arabicPeriod"/>
             </a:pPr>
             <a:r>
@@ -5482,7 +6361,7 @@
             </a:endParaRPr>
           </a:p>
           <a:p>
-            <a:pPr marL="457200" indent="-457200" algn="ctr">
+            <a:pPr marL="457200" indent="-457200">
               <a:buAutoNum type="arabicPeriod"/>
             </a:pPr>
             <a:r>
@@ -5507,7 +6386,7 @@
             </a:r>
           </a:p>
           <a:p>
-            <a:pPr marL="457200" indent="-457200" algn="ctr">
+            <a:pPr marL="457200" indent="-457200">
               <a:buAutoNum type="arabicPeriod"/>
             </a:pPr>
             <a:r>
@@ -5529,7 +6408,7 @@
             </a:endParaRPr>
           </a:p>
           <a:p>
-            <a:pPr marL="457200" indent="-457200" algn="ctr">
+            <a:pPr marL="457200" indent="-457200">
               <a:buAutoNum type="arabicPeriod"/>
             </a:pPr>
             <a:r>
@@ -5721,7 +6600,7 @@
         <p:spPr>
           <a:xfrm>
             <a:off x="6591827" y="2742673"/>
-            <a:ext cx="5586096" cy="6172200"/>
+            <a:ext cx="5181600" cy="5220227"/>
           </a:xfrm>
           <a:prstGeom prst="rect">
             <a:avLst/>
@@ -5845,6 +6724,105 @@
           </a:p>
         </p:txBody>
       </p:sp>
+      <p:sp>
+        <p:nvSpPr>
+          <p:cNvPr id="10" name="TextBox 9">
+            <a:extLst>
+              <a:ext uri="{FF2B5EF4-FFF2-40B4-BE49-F238E27FC236}">
+                <a16:creationId xmlns:a16="http://schemas.microsoft.com/office/drawing/2014/main" id="{B016963F-4E7E-43AD-A05C-CF2CFFABCCBE}"/>
+              </a:ext>
+            </a:extLst>
+          </p:cNvPr>
+          <p:cNvSpPr txBox="1"/>
+          <p:nvPr/>
+        </p:nvSpPr>
+        <p:spPr>
+          <a:xfrm>
+            <a:off x="896600" y="6667500"/>
+            <a:ext cx="4038600" cy="369332"/>
+          </a:xfrm>
+          <a:prstGeom prst="rect">
+            <a:avLst/>
+          </a:prstGeom>
+          <a:noFill/>
+        </p:spPr>
+        <p:txBody>
+          <a:bodyPr wrap="square" rtlCol="0">
+            <a:spAutoFit/>
+          </a:bodyPr>
+          <a:lstStyle/>
+          <a:p>
+            <a:pPr algn="l"/>
+            <a:r>
+              <a:rPr lang="ko-KR" altLang="en-US" dirty="0">
+                <a:latin typeface="맑은 고딕" panose="020B0503020000020004" pitchFamily="50" charset="-127"/>
+                <a:ea typeface="맑은 고딕" panose="020B0503020000020004" pitchFamily="50" charset="-127"/>
+              </a:rPr>
+              <a:t>인터페이스 화면</a:t>
+            </a:r>
+          </a:p>
+        </p:txBody>
+      </p:sp>
+      <p:pic>
+        <p:nvPicPr>
+          <p:cNvPr id="7" name="그림 6">
+            <a:extLst>
+              <a:ext uri="{FF2B5EF4-FFF2-40B4-BE49-F238E27FC236}">
+                <a16:creationId xmlns:a16="http://schemas.microsoft.com/office/drawing/2014/main" id="{7B093ED2-EE96-4652-8CFA-E18747A78629}"/>
+              </a:ext>
+            </a:extLst>
+          </p:cNvPr>
+          <p:cNvPicPr>
+            <a:picLocks noChangeAspect="1"/>
+          </p:cNvPicPr>
+          <p:nvPr/>
+        </p:nvPicPr>
+        <p:blipFill>
+          <a:blip r:embed="rId5"/>
+          <a:stretch>
+            <a:fillRect/>
+          </a:stretch>
+        </p:blipFill>
+        <p:spPr>
+          <a:xfrm>
+            <a:off x="897107" y="7200900"/>
+            <a:ext cx="2695951" cy="1086002"/>
+          </a:xfrm>
+          <a:prstGeom prst="rect">
+            <a:avLst/>
+          </a:prstGeom>
+        </p:spPr>
+      </p:pic>
+      <p:pic>
+        <p:nvPicPr>
+          <p:cNvPr id="14" name="그림 13">
+            <a:extLst>
+              <a:ext uri="{FF2B5EF4-FFF2-40B4-BE49-F238E27FC236}">
+                <a16:creationId xmlns:a16="http://schemas.microsoft.com/office/drawing/2014/main" id="{62120B46-E2FE-429D-9460-340171B218F6}"/>
+              </a:ext>
+            </a:extLst>
+          </p:cNvPr>
+          <p:cNvPicPr>
+            <a:picLocks noChangeAspect="1"/>
+          </p:cNvPicPr>
+          <p:nvPr/>
+        </p:nvPicPr>
+        <p:blipFill>
+          <a:blip r:embed="rId6"/>
+          <a:stretch>
+            <a:fillRect/>
+          </a:stretch>
+        </p:blipFill>
+        <p:spPr>
+          <a:xfrm>
+            <a:off x="3699193" y="7192617"/>
+            <a:ext cx="2793125" cy="2143201"/>
+          </a:xfrm>
+          <a:prstGeom prst="rect">
+            <a:avLst/>
+          </a:prstGeom>
+        </p:spPr>
+      </p:pic>
     </p:spTree>
     <p:extLst>
       <p:ext uri="{BB962C8B-B14F-4D97-AF65-F5344CB8AC3E}">
@@ -5978,7 +6956,6 @@
             </a:endParaRPr>
           </a:p>
           <a:p>
-            <a:pPr algn="ctr"/>
             <a:r>
               <a:rPr lang="en-US" altLang="ko-KR" sz="2400" dirty="0">
                 <a:solidFill>
@@ -6011,7 +6988,6 @@
             </a:r>
           </a:p>
           <a:p>
-            <a:pPr algn="ctr"/>
             <a:r>
               <a:rPr lang="en-US" altLang="ko-KR" sz="2400" dirty="0">
                 <a:solidFill>
@@ -6044,7 +7020,6 @@
             </a:r>
           </a:p>
           <a:p>
-            <a:pPr algn="ctr"/>
             <a:r>
               <a:rPr lang="en-US" altLang="ko-KR" sz="2400" dirty="0">
                 <a:solidFill>
@@ -6097,7 +7072,6 @@
             </a:r>
           </a:p>
           <a:p>
-            <a:pPr algn="ctr"/>
             <a:r>
               <a:rPr lang="en-US" altLang="ko-KR" sz="2400" dirty="0">
                 <a:solidFill>
@@ -6167,7 +7141,6 @@
             </a:endParaRPr>
           </a:p>
           <a:p>
-            <a:pPr algn="ctr"/>
             <a:r>
               <a:rPr lang="en-US" altLang="ko-KR" sz="2400" dirty="0">
                 <a:solidFill>
@@ -6239,7 +7212,7 @@
               <a:t>DTO</a:t>
             </a:r>
             <a:r>
-              <a:rPr lang="ko-KR" altLang="en-US" sz="2400">
+              <a:rPr lang="ko-KR" altLang="en-US" sz="2400" dirty="0">
                 <a:solidFill>
                   <a:schemeClr val="tx1"/>
                 </a:solidFill>
@@ -6616,7 +7589,7 @@
             </a:endParaRPr>
           </a:p>
           <a:p>
-            <a:pPr marL="457200" indent="-457200" algn="ctr">
+            <a:pPr marL="457200" indent="-457200">
               <a:buAutoNum type="arabicPeriod"/>
             </a:pPr>
             <a:r>
@@ -6638,7 +7611,7 @@
             </a:endParaRPr>
           </a:p>
           <a:p>
-            <a:pPr marL="457200" indent="-457200" algn="ctr">
+            <a:pPr marL="457200" indent="-457200">
               <a:buAutoNum type="arabicPeriod"/>
             </a:pPr>
             <a:r>
@@ -6660,7 +7633,7 @@
             </a:endParaRPr>
           </a:p>
           <a:p>
-            <a:pPr marL="457200" indent="-457200" algn="ctr">
+            <a:pPr marL="457200" indent="-457200">
               <a:buAutoNum type="arabicPeriod"/>
             </a:pPr>
             <a:r>
@@ -6692,7 +7665,7 @@
             </a:endParaRPr>
           </a:p>
           <a:p>
-            <a:pPr marL="457200" indent="-457200" algn="ctr">
+            <a:pPr marL="457200" indent="-457200">
               <a:buAutoNum type="arabicPeriod"/>
             </a:pPr>
             <a:r>
@@ -6794,7 +7767,7 @@
             </a:endParaRPr>
           </a:p>
           <a:p>
-            <a:pPr marL="457200" indent="-457200" algn="ctr">
+            <a:pPr marL="457200" indent="-457200">
               <a:buAutoNum type="arabicPeriod"/>
             </a:pPr>
             <a:r>
@@ -7192,7 +8165,7 @@
             </a:endParaRPr>
           </a:p>
           <a:p>
-            <a:pPr marL="457200" indent="-457200" algn="ctr">
+            <a:pPr marL="457200" indent="-457200">
               <a:buAutoNum type="arabicPeriod"/>
             </a:pPr>
             <a:r>
@@ -7214,7 +8187,7 @@
             </a:endParaRPr>
           </a:p>
           <a:p>
-            <a:pPr marL="457200" indent="-457200" algn="ctr">
+            <a:pPr marL="457200" indent="-457200">
               <a:buAutoNum type="arabicPeriod"/>
             </a:pPr>
             <a:r>
@@ -7236,7 +8209,7 @@
             </a:endParaRPr>
           </a:p>
           <a:p>
-            <a:pPr marL="457200" indent="-457200" algn="ctr">
+            <a:pPr marL="457200" indent="-457200">
               <a:buAutoNum type="arabicPeriod"/>
             </a:pPr>
             <a:r>
@@ -7681,7 +8654,7 @@
             </a:endParaRPr>
           </a:p>
           <a:p>
-            <a:pPr marL="457200" indent="-457200" algn="ctr">
+            <a:pPr marL="457200" indent="-457200">
               <a:buAutoNum type="arabicPeriod"/>
             </a:pPr>
             <a:r>
@@ -7703,7 +8676,7 @@
             </a:endParaRPr>
           </a:p>
           <a:p>
-            <a:pPr marL="457200" indent="-457200" algn="ctr">
+            <a:pPr marL="457200" indent="-457200">
               <a:buAutoNum type="arabicPeriod"/>
             </a:pPr>
             <a:r>
@@ -8264,4 +9237,299 @@
   </a:objectDefaults>
   <a:extraClrSchemeLst/>
 </a:theme>
+</file>
+
+<file path=ppt/theme/theme2.xml><?xml version="1.0" encoding="utf-8"?>
+<a:theme xmlns:a="http://schemas.openxmlformats.org/drawingml/2006/main" name="Office 테마">
+  <a:themeElements>
+    <a:clrScheme name="Office">
+      <a:dk1>
+        <a:sysClr val="windowText" lastClr="000000"/>
+      </a:dk1>
+      <a:lt1>
+        <a:sysClr val="window" lastClr="FFFFFF"/>
+      </a:lt1>
+      <a:dk2>
+        <a:srgbClr val="44546A"/>
+      </a:dk2>
+      <a:lt2>
+        <a:srgbClr val="E7E6E6"/>
+      </a:lt2>
+      <a:accent1>
+        <a:srgbClr val="4472C4"/>
+      </a:accent1>
+      <a:accent2>
+        <a:srgbClr val="ED7D31"/>
+      </a:accent2>
+      <a:accent3>
+        <a:srgbClr val="A5A5A5"/>
+      </a:accent3>
+      <a:accent4>
+        <a:srgbClr val="FFC000"/>
+      </a:accent4>
+      <a:accent5>
+        <a:srgbClr val="5B9BD5"/>
+      </a:accent5>
+      <a:accent6>
+        <a:srgbClr val="70AD47"/>
+      </a:accent6>
+      <a:hlink>
+        <a:srgbClr val="0563C1"/>
+      </a:hlink>
+      <a:folHlink>
+        <a:srgbClr val="954F72"/>
+      </a:folHlink>
+    </a:clrScheme>
+    <a:fontScheme name="Office">
+      <a:majorFont>
+        <a:latin typeface="맑은 고딕" panose="020F0302020204030204"/>
+        <a:ea typeface=""/>
+        <a:cs typeface=""/>
+        <a:font script="Jpan" typeface="游ゴシック Light"/>
+        <a:font script="Hang" typeface="맑은 고딕"/>
+        <a:font script="Hans" typeface="等线 Light"/>
+        <a:font script="Hant" typeface="新細明體"/>
+        <a:font script="Arab" typeface="Times New Roman"/>
+        <a:font script="Hebr" typeface="Times New Roman"/>
+        <a:font script="Thai" typeface="Angsana New"/>
+        <a:font script="Ethi" typeface="Nyala"/>
+        <a:font script="Beng" typeface="Vrinda"/>
+        <a:font script="Gujr" typeface="Shruti"/>
+        <a:font script="Khmr" typeface="MoolBoran"/>
+        <a:font script="Knda" typeface="Tunga"/>
+        <a:font script="Guru" typeface="Raavi"/>
+        <a:font script="Cans" typeface="Euphemia"/>
+        <a:font script="Cher" typeface="Plantagenet Cherokee"/>
+        <a:font script="Yiii" typeface="Microsoft Yi Baiti"/>
+        <a:font script="Tibt" typeface="Microsoft Himalaya"/>
+        <a:font script="Thaa" typeface="MV Boli"/>
+        <a:font script="Deva" typeface="Mangal"/>
+        <a:font script="Telu" typeface="Gautami"/>
+        <a:font script="Taml" typeface="Latha"/>
+        <a:font script="Syrc" typeface="Estrangelo Edessa"/>
+        <a:font script="Orya" typeface="Kalinga"/>
+        <a:font script="Mlym" typeface="Kartika"/>
+        <a:font script="Laoo" typeface="DokChampa"/>
+        <a:font script="Sinh" typeface="Iskoola Pota"/>
+        <a:font script="Mong" typeface="Mongolian Baiti"/>
+        <a:font script="Viet" typeface="Times New Roman"/>
+        <a:font script="Uigh" typeface="Microsoft Uighur"/>
+        <a:font script="Geor" typeface="Sylfaen"/>
+        <a:font script="Armn" typeface="Arial"/>
+        <a:font script="Bugi" typeface="Leelawadee UI"/>
+        <a:font script="Bopo" typeface="Microsoft JhengHei"/>
+        <a:font script="Java" typeface="Javanese Text"/>
+        <a:font script="Lisu" typeface="Segoe UI"/>
+        <a:font script="Mymr" typeface="Myanmar Text"/>
+        <a:font script="Nkoo" typeface="Ebrima"/>
+        <a:font script="Olck" typeface="Nirmala UI"/>
+        <a:font script="Osma" typeface="Ebrima"/>
+        <a:font script="Phag" typeface="Phagspa"/>
+        <a:font script="Syrn" typeface="Estrangelo Edessa"/>
+        <a:font script="Syrj" typeface="Estrangelo Edessa"/>
+        <a:font script="Syre" typeface="Estrangelo Edessa"/>
+        <a:font script="Sora" typeface="Nirmala UI"/>
+        <a:font script="Tale" typeface="Microsoft Tai Le"/>
+        <a:font script="Talu" typeface="Microsoft New Tai Lue"/>
+        <a:font script="Tfng" typeface="Ebrima"/>
+      </a:majorFont>
+      <a:minorFont>
+        <a:latin typeface="맑은 고딕" panose="020F0502020204030204"/>
+        <a:ea typeface=""/>
+        <a:cs typeface=""/>
+        <a:font script="Jpan" typeface="游ゴシック"/>
+        <a:font script="Hang" typeface="맑은 고딕"/>
+        <a:font script="Hans" typeface="等线"/>
+        <a:font script="Hant" typeface="新細明體"/>
+        <a:font script="Arab" typeface="Arial"/>
+        <a:font script="Hebr" typeface="Arial"/>
+        <a:font script="Thai" typeface="Cordia New"/>
+        <a:font script="Ethi" typeface="Nyala"/>
+        <a:font script="Beng" typeface="Vrinda"/>
+        <a:font script="Gujr" typeface="Shruti"/>
+        <a:font script="Khmr" typeface="DaunPenh"/>
+        <a:font script="Knda" typeface="Tunga"/>
+        <a:font script="Guru" typeface="Raavi"/>
+        <a:font script="Cans" typeface="Euphemia"/>
+        <a:font script="Cher" typeface="Plantagenet Cherokee"/>
+        <a:font script="Yiii" typeface="Microsoft Yi Baiti"/>
+        <a:font script="Tibt" typeface="Microsoft Himalaya"/>
+        <a:font script="Thaa" typeface="MV Boli"/>
+        <a:font script="Deva" typeface="Mangal"/>
+        <a:font script="Telu" typeface="Gautami"/>
+        <a:font script="Taml" typeface="Latha"/>
+        <a:font script="Syrc" typeface="Estrangelo Edessa"/>
+        <a:font script="Orya" typeface="Kalinga"/>
+        <a:font script="Mlym" typeface="Kartika"/>
+        <a:font script="Laoo" typeface="DokChampa"/>
+        <a:font script="Sinh" typeface="Iskoola Pota"/>
+        <a:font script="Mong" typeface="Mongolian Baiti"/>
+        <a:font script="Viet" typeface="Arial"/>
+        <a:font script="Uigh" typeface="Microsoft Uighur"/>
+        <a:font script="Geor" typeface="Sylfaen"/>
+        <a:font script="Armn" typeface="Arial"/>
+        <a:font script="Bugi" typeface="Leelawadee UI"/>
+        <a:font script="Bopo" typeface="Microsoft JhengHei"/>
+        <a:font script="Java" typeface="Javanese Text"/>
+        <a:font script="Lisu" typeface="Segoe UI"/>
+        <a:font script="Mymr" typeface="Myanmar Text"/>
+        <a:font script="Nkoo" typeface="Ebrima"/>
+        <a:font script="Olck" typeface="Nirmala UI"/>
+        <a:font script="Osma" typeface="Ebrima"/>
+        <a:font script="Phag" typeface="Phagspa"/>
+        <a:font script="Syrn" typeface="Estrangelo Edessa"/>
+        <a:font script="Syrj" typeface="Estrangelo Edessa"/>
+        <a:font script="Syre" typeface="Estrangelo Edessa"/>
+        <a:font script="Sora" typeface="Nirmala UI"/>
+        <a:font script="Tale" typeface="Microsoft Tai Le"/>
+        <a:font script="Talu" typeface="Microsoft New Tai Lue"/>
+        <a:font script="Tfng" typeface="Ebrima"/>
+      </a:minorFont>
+    </a:fontScheme>
+    <a:fmtScheme name="Office">
+      <a:fillStyleLst>
+        <a:solidFill>
+          <a:schemeClr val="phClr"/>
+        </a:solidFill>
+        <a:gradFill rotWithShape="1">
+          <a:gsLst>
+            <a:gs pos="0">
+              <a:schemeClr val="phClr">
+                <a:lumMod val="110000"/>
+                <a:satMod val="105000"/>
+                <a:tint val="67000"/>
+              </a:schemeClr>
+            </a:gs>
+            <a:gs pos="50000">
+              <a:schemeClr val="phClr">
+                <a:lumMod val="105000"/>
+                <a:satMod val="103000"/>
+                <a:tint val="73000"/>
+              </a:schemeClr>
+            </a:gs>
+            <a:gs pos="100000">
+              <a:schemeClr val="phClr">
+                <a:lumMod val="105000"/>
+                <a:satMod val="109000"/>
+                <a:tint val="81000"/>
+              </a:schemeClr>
+            </a:gs>
+          </a:gsLst>
+          <a:lin ang="5400000" scaled="0"/>
+        </a:gradFill>
+        <a:gradFill rotWithShape="1">
+          <a:gsLst>
+            <a:gs pos="0">
+              <a:schemeClr val="phClr">
+                <a:satMod val="103000"/>
+                <a:lumMod val="102000"/>
+                <a:tint val="94000"/>
+              </a:schemeClr>
+            </a:gs>
+            <a:gs pos="50000">
+              <a:schemeClr val="phClr">
+                <a:satMod val="110000"/>
+                <a:lumMod val="100000"/>
+                <a:shade val="100000"/>
+              </a:schemeClr>
+            </a:gs>
+            <a:gs pos="100000">
+              <a:schemeClr val="phClr">
+                <a:lumMod val="99000"/>
+                <a:satMod val="120000"/>
+                <a:shade val="78000"/>
+              </a:schemeClr>
+            </a:gs>
+          </a:gsLst>
+          <a:lin ang="5400000" scaled="0"/>
+        </a:gradFill>
+      </a:fillStyleLst>
+      <a:lnStyleLst>
+        <a:ln w="6350" cap="flat" cmpd="sng" algn="ctr">
+          <a:solidFill>
+            <a:schemeClr val="phClr"/>
+          </a:solidFill>
+          <a:prstDash val="solid"/>
+          <a:miter lim="800000"/>
+        </a:ln>
+        <a:ln w="12700" cap="flat" cmpd="sng" algn="ctr">
+          <a:solidFill>
+            <a:schemeClr val="phClr"/>
+          </a:solidFill>
+          <a:prstDash val="solid"/>
+          <a:miter lim="800000"/>
+        </a:ln>
+        <a:ln w="19050" cap="flat" cmpd="sng" algn="ctr">
+          <a:solidFill>
+            <a:schemeClr val="phClr"/>
+          </a:solidFill>
+          <a:prstDash val="solid"/>
+          <a:miter lim="800000"/>
+        </a:ln>
+      </a:lnStyleLst>
+      <a:effectStyleLst>
+        <a:effectStyle>
+          <a:effectLst/>
+        </a:effectStyle>
+        <a:effectStyle>
+          <a:effectLst/>
+        </a:effectStyle>
+        <a:effectStyle>
+          <a:effectLst>
+            <a:outerShdw blurRad="57150" dist="19050" dir="5400000" algn="ctr" rotWithShape="0">
+              <a:srgbClr val="000000">
+                <a:alpha val="63000"/>
+              </a:srgbClr>
+            </a:outerShdw>
+          </a:effectLst>
+        </a:effectStyle>
+      </a:effectStyleLst>
+      <a:bgFillStyleLst>
+        <a:solidFill>
+          <a:schemeClr val="phClr"/>
+        </a:solidFill>
+        <a:solidFill>
+          <a:schemeClr val="phClr">
+            <a:tint val="95000"/>
+            <a:satMod val="170000"/>
+          </a:schemeClr>
+        </a:solidFill>
+        <a:gradFill rotWithShape="1">
+          <a:gsLst>
+            <a:gs pos="0">
+              <a:schemeClr val="phClr">
+                <a:tint val="93000"/>
+                <a:satMod val="150000"/>
+                <a:shade val="98000"/>
+                <a:lumMod val="102000"/>
+              </a:schemeClr>
+            </a:gs>
+            <a:gs pos="50000">
+              <a:schemeClr val="phClr">
+                <a:tint val="98000"/>
+                <a:satMod val="130000"/>
+                <a:shade val="90000"/>
+                <a:lumMod val="103000"/>
+              </a:schemeClr>
+            </a:gs>
+            <a:gs pos="100000">
+              <a:schemeClr val="phClr">
+                <a:shade val="63000"/>
+                <a:satMod val="120000"/>
+              </a:schemeClr>
+            </a:gs>
+          </a:gsLst>
+          <a:lin ang="5400000" scaled="0"/>
+        </a:gradFill>
+      </a:bgFillStyleLst>
+    </a:fmtScheme>
+  </a:themeElements>
+  <a:objectDefaults/>
+  <a:extraClrSchemeLst/>
+  <a:extLst>
+    <a:ext uri="{05A4C25C-085E-4340-85A3-A5531E510DB2}">
+      <thm15:themeFamily xmlns:thm15="http://schemas.microsoft.com/office/thememl/2012/main" name="Office Theme" id="{62F939B6-93AF-4DB8-9C6B-D6C7DFDC589F}" vid="{4A3C46E8-61CC-4603-A589-7422A47A8E4A}"/>
+    </a:ext>
+  </a:extLst>
+</a:theme>
 </file>